--- a/Staatsfinanzen im Vergleich.pptx
+++ b/Staatsfinanzen im Vergleich.pptx
@@ -20,6 +20,7 @@
     <p:sldId id="272" r:id="rId14"/>
     <p:sldId id="259" r:id="rId15"/>
     <p:sldId id="268" r:id="rId16"/>
+    <p:sldId id="275" r:id="rId17"/>
   </p:sldIdLst>
   <p:sldSz cx="12192000" cy="6858000"/>
   <p:notesSz cx="6858000" cy="9144000"/>
@@ -118,6 +119,11 @@
       </a:defRPr>
     </a:lvl9pPr>
   </p:defaultTextStyle>
+  <p:extLst>
+    <p:ext uri="{EFAFB233-063F-42B5-8137-9DF3F51BA10A}">
+      <p15:sldGuideLst xmlns:p15="http://schemas.microsoft.com/office/powerpoint/2012/main"/>
+    </p:ext>
+  </p:extLst>
 </p:presentation>
 </file>
 
@@ -133,11 +139,118 @@
 <pc:chgInfo xmlns:a="http://schemas.openxmlformats.org/drawingml/2006/main" xmlns:r="http://schemas.openxmlformats.org/officeDocument/2006/relationships" xmlns:ac="http://schemas.microsoft.com/office/drawing/2013/main/command" xmlns:pc="http://schemas.microsoft.com/office/powerpoint/2013/main/command">
   <pc:docChgLst>
     <pc:chgData name="Özlem Cifci" userId="8a608575b14b7933" providerId="LiveId" clId="{E734DA68-C820-4F75-A9BD-307AF960D3C0}"/>
-    <pc:docChg chg="custSel modSld">
-      <pc:chgData name="Özlem Cifci" userId="8a608575b14b7933" providerId="LiveId" clId="{E734DA68-C820-4F75-A9BD-307AF960D3C0}" dt="2024-04-29T08:52:27.094" v="30"/>
+    <pc:docChg chg="undo custSel addSld modSld sldOrd">
+      <pc:chgData name="Özlem Cifci" userId="8a608575b14b7933" providerId="LiveId" clId="{E734DA68-C820-4F75-A9BD-307AF960D3C0}" dt="2024-05-05T09:14:36.406" v="206" actId="14100"/>
       <pc:docMkLst>
         <pc:docMk/>
       </pc:docMkLst>
+      <pc:sldChg chg="modSp mod">
+        <pc:chgData name="Özlem Cifci" userId="8a608575b14b7933" providerId="LiveId" clId="{E734DA68-C820-4F75-A9BD-307AF960D3C0}" dt="2024-05-05T09:07:50.527" v="66" actId="14100"/>
+        <pc:sldMkLst>
+          <pc:docMk/>
+          <pc:sldMk cId="3378058142" sldId="262"/>
+        </pc:sldMkLst>
+        <pc:spChg chg="mod">
+          <ac:chgData name="Özlem Cifci" userId="8a608575b14b7933" providerId="LiveId" clId="{E734DA68-C820-4F75-A9BD-307AF960D3C0}" dt="2024-05-05T09:07:50.527" v="66" actId="14100"/>
+          <ac:spMkLst>
+            <pc:docMk/>
+            <pc:sldMk cId="3378058142" sldId="262"/>
+            <ac:spMk id="3" creationId="{F196C12B-69E2-3D5A-6052-E1999D9E9D94}"/>
+          </ac:spMkLst>
+        </pc:spChg>
+      </pc:sldChg>
+      <pc:sldChg chg="modSp mod">
+        <pc:chgData name="Özlem Cifci" userId="8a608575b14b7933" providerId="LiveId" clId="{E734DA68-C820-4F75-A9BD-307AF960D3C0}" dt="2024-05-05T09:09:06.447" v="76" actId="14100"/>
+        <pc:sldMkLst>
+          <pc:docMk/>
+          <pc:sldMk cId="2542283964" sldId="263"/>
+        </pc:sldMkLst>
+        <pc:spChg chg="mod">
+          <ac:chgData name="Özlem Cifci" userId="8a608575b14b7933" providerId="LiveId" clId="{E734DA68-C820-4F75-A9BD-307AF960D3C0}" dt="2024-05-05T09:09:06.447" v="76" actId="14100"/>
+          <ac:spMkLst>
+            <pc:docMk/>
+            <pc:sldMk cId="2542283964" sldId="263"/>
+            <ac:spMk id="6" creationId="{1F44F816-834D-72A3-12CB-745F640B8D5D}"/>
+          </ac:spMkLst>
+        </pc:spChg>
+      </pc:sldChg>
+      <pc:sldChg chg="modSp mod">
+        <pc:chgData name="Özlem Cifci" userId="8a608575b14b7933" providerId="LiveId" clId="{E734DA68-C820-4F75-A9BD-307AF960D3C0}" dt="2024-05-05T09:10:29.852" v="80" actId="14100"/>
+        <pc:sldMkLst>
+          <pc:docMk/>
+          <pc:sldMk cId="1814642001" sldId="265"/>
+        </pc:sldMkLst>
+        <pc:spChg chg="mod">
+          <ac:chgData name="Özlem Cifci" userId="8a608575b14b7933" providerId="LiveId" clId="{E734DA68-C820-4F75-A9BD-307AF960D3C0}" dt="2024-05-05T09:10:29.852" v="80" actId="14100"/>
+          <ac:spMkLst>
+            <pc:docMk/>
+            <pc:sldMk cId="1814642001" sldId="265"/>
+            <ac:spMk id="6" creationId="{67197B63-EDC7-1B45-8805-E2F0DCED8690}"/>
+          </ac:spMkLst>
+        </pc:spChg>
+      </pc:sldChg>
+      <pc:sldChg chg="modSp mod">
+        <pc:chgData name="Özlem Cifci" userId="8a608575b14b7933" providerId="LiveId" clId="{E734DA68-C820-4F75-A9BD-307AF960D3C0}" dt="2024-05-05T09:11:07.663" v="103" actId="27636"/>
+        <pc:sldMkLst>
+          <pc:docMk/>
+          <pc:sldMk cId="1413719271" sldId="266"/>
+        </pc:sldMkLst>
+        <pc:spChg chg="mod">
+          <ac:chgData name="Özlem Cifci" userId="8a608575b14b7933" providerId="LiveId" clId="{E734DA68-C820-4F75-A9BD-307AF960D3C0}" dt="2024-05-05T09:11:07.663" v="103" actId="27636"/>
+          <ac:spMkLst>
+            <pc:docMk/>
+            <pc:sldMk cId="1413719271" sldId="266"/>
+            <ac:spMk id="8" creationId="{418D3F2B-909D-7438-E9D0-6ECFBA965DDD}"/>
+          </ac:spMkLst>
+        </pc:spChg>
+      </pc:sldChg>
+      <pc:sldChg chg="modSp mod">
+        <pc:chgData name="Özlem Cifci" userId="8a608575b14b7933" providerId="LiveId" clId="{E734DA68-C820-4F75-A9BD-307AF960D3C0}" dt="2024-05-05T09:13:38.896" v="175" actId="20577"/>
+        <pc:sldMkLst>
+          <pc:docMk/>
+          <pc:sldMk cId="564269541" sldId="268"/>
+        </pc:sldMkLst>
+        <pc:spChg chg="mod">
+          <ac:chgData name="Özlem Cifci" userId="8a608575b14b7933" providerId="LiveId" clId="{E734DA68-C820-4F75-A9BD-307AF960D3C0}" dt="2024-05-05T09:11:38.986" v="107" actId="1076"/>
+          <ac:spMkLst>
+            <pc:docMk/>
+            <pc:sldMk cId="564269541" sldId="268"/>
+            <ac:spMk id="2" creationId="{92806E7F-4536-0AC1-6CF3-88FD8D4EBCFE}"/>
+          </ac:spMkLst>
+        </pc:spChg>
+        <pc:spChg chg="mod">
+          <ac:chgData name="Özlem Cifci" userId="8a608575b14b7933" providerId="LiveId" clId="{E734DA68-C820-4F75-A9BD-307AF960D3C0}" dt="2024-05-05T09:13:38.896" v="175" actId="20577"/>
+          <ac:spMkLst>
+            <pc:docMk/>
+            <pc:sldMk cId="564269541" sldId="268"/>
+            <ac:spMk id="10" creationId="{41F24517-3CB0-3662-1B27-D2BCB0774017}"/>
+          </ac:spMkLst>
+        </pc:spChg>
+        <pc:picChg chg="mod">
+          <ac:chgData name="Özlem Cifci" userId="8a608575b14b7933" providerId="LiveId" clId="{E734DA68-C820-4F75-A9BD-307AF960D3C0}" dt="2024-05-05T09:12:36.933" v="121" actId="1076"/>
+          <ac:picMkLst>
+            <pc:docMk/>
+            <pc:sldMk cId="564269541" sldId="268"/>
+            <ac:picMk id="14" creationId="{6B24BEB1-FB4D-F3FD-1E08-92F6259077BA}"/>
+          </ac:picMkLst>
+        </pc:picChg>
+        <pc:picChg chg="mod">
+          <ac:chgData name="Özlem Cifci" userId="8a608575b14b7933" providerId="LiveId" clId="{E734DA68-C820-4F75-A9BD-307AF960D3C0}" dt="2024-05-05T09:12:55.095" v="149" actId="1035"/>
+          <ac:picMkLst>
+            <pc:docMk/>
+            <pc:sldMk cId="564269541" sldId="268"/>
+            <ac:picMk id="16" creationId="{ADE094FD-FD7F-892D-7082-D88AC183AB2D}"/>
+          </ac:picMkLst>
+        </pc:picChg>
+        <pc:picChg chg="mod">
+          <ac:chgData name="Özlem Cifci" userId="8a608575b14b7933" providerId="LiveId" clId="{E734DA68-C820-4F75-A9BD-307AF960D3C0}" dt="2024-05-05T09:13:21.055" v="173" actId="1076"/>
+          <ac:picMkLst>
+            <pc:docMk/>
+            <pc:sldMk cId="564269541" sldId="268"/>
+            <ac:picMk id="18" creationId="{8E8E2FCE-3793-DFA4-74A2-F4D84BFC9E2F}"/>
+          </ac:picMkLst>
+        </pc:picChg>
+      </pc:sldChg>
       <pc:sldChg chg="modSp mod modAnim">
         <pc:chgData name="Özlem Cifci" userId="8a608575b14b7933" providerId="LiveId" clId="{E734DA68-C820-4F75-A9BD-307AF960D3C0}" dt="2024-04-29T08:52:27.094" v="30"/>
         <pc:sldMkLst>
@@ -149,6 +262,105 @@
           <ac:spMkLst>
             <pc:docMk/>
             <pc:sldMk cId="1835054236" sldId="270"/>
+            <ac:spMk id="6" creationId="{DC6AB9CD-C27F-E5FB-A668-0F21B991B8FB}"/>
+          </ac:spMkLst>
+        </pc:spChg>
+      </pc:sldChg>
+      <pc:sldChg chg="modSp mod">
+        <pc:chgData name="Özlem Cifci" userId="8a608575b14b7933" providerId="LiveId" clId="{E734DA68-C820-4F75-A9BD-307AF960D3C0}" dt="2024-05-05T09:10:07.069" v="79" actId="27636"/>
+        <pc:sldMkLst>
+          <pc:docMk/>
+          <pc:sldMk cId="2384325425" sldId="271"/>
+        </pc:sldMkLst>
+        <pc:spChg chg="mod">
+          <ac:chgData name="Özlem Cifci" userId="8a608575b14b7933" providerId="LiveId" clId="{E734DA68-C820-4F75-A9BD-307AF960D3C0}" dt="2024-05-05T09:10:07.069" v="79" actId="27636"/>
+          <ac:spMkLst>
+            <pc:docMk/>
+            <pc:sldMk cId="2384325425" sldId="271"/>
+            <ac:spMk id="6" creationId="{66EDFCA0-87CE-8979-5C67-20973F3B7E41}"/>
+          </ac:spMkLst>
+        </pc:spChg>
+        <pc:picChg chg="mod">
+          <ac:chgData name="Özlem Cifci" userId="8a608575b14b7933" providerId="LiveId" clId="{E734DA68-C820-4F75-A9BD-307AF960D3C0}" dt="2024-05-05T09:08:34.882" v="70" actId="1076"/>
+          <ac:picMkLst>
+            <pc:docMk/>
+            <pc:sldMk cId="2384325425" sldId="271"/>
+            <ac:picMk id="5" creationId="{A78DDA53-F9A5-DB48-DAEC-36F5E77B4868}"/>
+          </ac:picMkLst>
+        </pc:picChg>
+      </pc:sldChg>
+      <pc:sldChg chg="addSp modSp mod">
+        <pc:chgData name="Özlem Cifci" userId="8a608575b14b7933" providerId="LiveId" clId="{E734DA68-C820-4F75-A9BD-307AF960D3C0}" dt="2024-05-05T09:11:23.544" v="106" actId="27636"/>
+        <pc:sldMkLst>
+          <pc:docMk/>
+          <pc:sldMk cId="2275808314" sldId="272"/>
+        </pc:sldMkLst>
+        <pc:spChg chg="mod">
+          <ac:chgData name="Özlem Cifci" userId="8a608575b14b7933" providerId="LiveId" clId="{E734DA68-C820-4F75-A9BD-307AF960D3C0}" dt="2024-05-05T09:11:23.544" v="106" actId="27636"/>
+          <ac:spMkLst>
+            <pc:docMk/>
+            <pc:sldMk cId="2275808314" sldId="272"/>
+            <ac:spMk id="7" creationId="{AAE7A5A6-CA61-EED2-CD5D-F76F4CC479BA}"/>
+          </ac:spMkLst>
+        </pc:spChg>
+        <pc:picChg chg="add mod">
+          <ac:chgData name="Özlem Cifci" userId="8a608575b14b7933" providerId="LiveId" clId="{E734DA68-C820-4F75-A9BD-307AF960D3C0}" dt="2024-05-05T09:06:26.767" v="55" actId="1038"/>
+          <ac:picMkLst>
+            <pc:docMk/>
+            <pc:sldMk cId="2275808314" sldId="272"/>
+            <ac:picMk id="4" creationId="{2E400FF6-DA8F-F60C-4943-3BA0827F758B}"/>
+          </ac:picMkLst>
+        </pc:picChg>
+      </pc:sldChg>
+      <pc:sldChg chg="modSp mod">
+        <pc:chgData name="Özlem Cifci" userId="8a608575b14b7933" providerId="LiveId" clId="{E734DA68-C820-4F75-A9BD-307AF960D3C0}" dt="2024-05-05T09:11:17.227" v="104"/>
+        <pc:sldMkLst>
+          <pc:docMk/>
+          <pc:sldMk cId="1770939909" sldId="273"/>
+        </pc:sldMkLst>
+        <pc:spChg chg="mod">
+          <ac:chgData name="Özlem Cifci" userId="8a608575b14b7933" providerId="LiveId" clId="{E734DA68-C820-4F75-A9BD-307AF960D3C0}" dt="2024-05-05T09:11:17.227" v="104"/>
+          <ac:spMkLst>
+            <pc:docMk/>
+            <pc:sldMk cId="1770939909" sldId="273"/>
+            <ac:spMk id="3" creationId="{F196C12B-69E2-3D5A-6052-E1999D9E9D94}"/>
+          </ac:spMkLst>
+        </pc:spChg>
+      </pc:sldChg>
+      <pc:sldChg chg="modSp mod">
+        <pc:chgData name="Özlem Cifci" userId="8a608575b14b7933" providerId="LiveId" clId="{E734DA68-C820-4F75-A9BD-307AF960D3C0}" dt="2024-05-05T09:07:14.524" v="59" actId="14100"/>
+        <pc:sldMkLst>
+          <pc:docMk/>
+          <pc:sldMk cId="494849554" sldId="274"/>
+        </pc:sldMkLst>
+        <pc:spChg chg="mod">
+          <ac:chgData name="Özlem Cifci" userId="8a608575b14b7933" providerId="LiveId" clId="{E734DA68-C820-4F75-A9BD-307AF960D3C0}" dt="2024-05-05T09:07:14.524" v="59" actId="14100"/>
+          <ac:spMkLst>
+            <pc:docMk/>
+            <pc:sldMk cId="494849554" sldId="274"/>
+            <ac:spMk id="6" creationId="{1B188E6F-3EB7-5A6D-CC80-47B7F2724201}"/>
+          </ac:spMkLst>
+        </pc:spChg>
+      </pc:sldChg>
+      <pc:sldChg chg="modSp add mod ord">
+        <pc:chgData name="Özlem Cifci" userId="8a608575b14b7933" providerId="LiveId" clId="{E734DA68-C820-4F75-A9BD-307AF960D3C0}" dt="2024-05-05T09:14:36.406" v="206" actId="14100"/>
+        <pc:sldMkLst>
+          <pc:docMk/>
+          <pc:sldMk cId="7012537" sldId="275"/>
+        </pc:sldMkLst>
+        <pc:spChg chg="mod">
+          <ac:chgData name="Özlem Cifci" userId="8a608575b14b7933" providerId="LiveId" clId="{E734DA68-C820-4F75-A9BD-307AF960D3C0}" dt="2024-05-05T09:14:36.406" v="206" actId="14100"/>
+          <ac:spMkLst>
+            <pc:docMk/>
+            <pc:sldMk cId="7012537" sldId="275"/>
+            <ac:spMk id="2" creationId="{BBEE3065-FD4A-E20E-AE4E-9E8EA0E51793}"/>
+          </ac:spMkLst>
+        </pc:spChg>
+        <pc:spChg chg="mod">
+          <ac:chgData name="Özlem Cifci" userId="8a608575b14b7933" providerId="LiveId" clId="{E734DA68-C820-4F75-A9BD-307AF960D3C0}" dt="2024-05-05T09:14:15.672" v="198" actId="20577"/>
+          <ac:spMkLst>
+            <pc:docMk/>
+            <pc:sldMk cId="7012537" sldId="275"/>
             <ac:spMk id="6" creationId="{DC6AB9CD-C27F-E5FB-A668-0F21B991B8FB}"/>
           </ac:spMkLst>
         </pc:spChg>
@@ -309,7 +521,7 @@
           <a:p>
             <a:fld id="{326951E3-958F-4611-B170-D081BA0250F9}" type="datetimeFigureOut">
               <a:rPr lang="en-US" smtClean="0"/>
-              <a:t>4/29/2024</a:t>
+              <a:t>5/5/2024</a:t>
             </a:fld>
             <a:endParaRPr lang="en-US"/>
           </a:p>
@@ -512,7 +724,7 @@
           <a:p>
             <a:fld id="{326951E3-958F-4611-B170-D081BA0250F9}" type="datetimeFigureOut">
               <a:rPr lang="en-US" smtClean="0"/>
-              <a:t>4/29/2024</a:t>
+              <a:t>5/5/2024</a:t>
             </a:fld>
             <a:endParaRPr lang="en-US"/>
           </a:p>
@@ -725,7 +937,7 @@
           <a:p>
             <a:fld id="{326951E3-958F-4611-B170-D081BA0250F9}" type="datetimeFigureOut">
               <a:rPr lang="en-US" smtClean="0"/>
-              <a:t>4/29/2024</a:t>
+              <a:t>5/5/2024</a:t>
             </a:fld>
             <a:endParaRPr lang="en-US"/>
           </a:p>
@@ -928,7 +1140,7 @@
           <a:p>
             <a:fld id="{326951E3-958F-4611-B170-D081BA0250F9}" type="datetimeFigureOut">
               <a:rPr lang="en-US" smtClean="0"/>
-              <a:t>4/29/2024</a:t>
+              <a:t>5/5/2024</a:t>
             </a:fld>
             <a:endParaRPr lang="en-US"/>
           </a:p>
@@ -1210,7 +1422,7 @@
           <a:p>
             <a:fld id="{326951E3-958F-4611-B170-D081BA0250F9}" type="datetimeFigureOut">
               <a:rPr lang="en-US" smtClean="0"/>
-              <a:t>4/29/2024</a:t>
+              <a:t>5/5/2024</a:t>
             </a:fld>
             <a:endParaRPr lang="en-US"/>
           </a:p>
@@ -1480,7 +1692,7 @@
           <a:p>
             <a:fld id="{326951E3-958F-4611-B170-D081BA0250F9}" type="datetimeFigureOut">
               <a:rPr lang="en-US" smtClean="0"/>
-              <a:t>4/29/2024</a:t>
+              <a:t>5/5/2024</a:t>
             </a:fld>
             <a:endParaRPr lang="en-US"/>
           </a:p>
@@ -1907,7 +2119,7 @@
           <a:p>
             <a:fld id="{326951E3-958F-4611-B170-D081BA0250F9}" type="datetimeFigureOut">
               <a:rPr lang="en-US" smtClean="0"/>
-              <a:t>4/29/2024</a:t>
+              <a:t>5/5/2024</a:t>
             </a:fld>
             <a:endParaRPr lang="en-US"/>
           </a:p>
@@ -2064,7 +2276,7 @@
           <a:p>
             <a:fld id="{326951E3-958F-4611-B170-D081BA0250F9}" type="datetimeFigureOut">
               <a:rPr lang="en-US" smtClean="0"/>
-              <a:t>4/29/2024</a:t>
+              <a:t>5/5/2024</a:t>
             </a:fld>
             <a:endParaRPr lang="en-US"/>
           </a:p>
@@ -2182,7 +2394,7 @@
           <a:p>
             <a:fld id="{326951E3-958F-4611-B170-D081BA0250F9}" type="datetimeFigureOut">
               <a:rPr lang="en-US" smtClean="0"/>
-              <a:t>4/29/2024</a:t>
+              <a:t>5/5/2024</a:t>
             </a:fld>
             <a:endParaRPr lang="en-US"/>
           </a:p>
@@ -2505,7 +2717,7 @@
           <a:p>
             <a:fld id="{326951E3-958F-4611-B170-D081BA0250F9}" type="datetimeFigureOut">
               <a:rPr lang="en-US" smtClean="0"/>
-              <a:t>4/29/2024</a:t>
+              <a:t>5/5/2024</a:t>
             </a:fld>
             <a:endParaRPr lang="en-US"/>
           </a:p>
@@ -2846,7 +3058,7 @@
           <a:p>
             <a:fld id="{326951E3-958F-4611-B170-D081BA0250F9}" type="datetimeFigureOut">
               <a:rPr lang="en-US" smtClean="0"/>
-              <a:t>4/29/2024</a:t>
+              <a:t>5/5/2024</a:t>
             </a:fld>
             <a:endParaRPr lang="en-US"/>
           </a:p>
@@ -3135,7 +3347,7 @@
             <a:fld id="{326951E3-958F-4611-B170-D081BA0250F9}" type="datetimeFigureOut">
               <a:rPr lang="en-US" smtClean="0"/>
               <a:pPr/>
-              <a:t>4/29/2024</a:t>
+              <a:t>5/5/2024</a:t>
             </a:fld>
             <a:endParaRPr lang="en-US" dirty="0"/>
           </a:p>
@@ -4166,8 +4378,8 @@
         </p:nvSpPr>
         <p:spPr>
           <a:xfrm>
-            <a:off x="245875" y="1895474"/>
-            <a:ext cx="4259450" cy="4338491"/>
+            <a:off x="245875" y="1398494"/>
+            <a:ext cx="4259450" cy="4835471"/>
           </a:xfrm>
           <a:prstGeom prst="rect">
             <a:avLst/>
@@ -4488,7 +4700,7 @@
         <p:spPr>
           <a:xfrm>
             <a:off x="173485" y="1732613"/>
-            <a:ext cx="2825747" cy="2409620"/>
+            <a:ext cx="3663409" cy="2409620"/>
           </a:xfrm>
           <a:prstGeom prst="rect">
             <a:avLst/>
@@ -4496,7 +4708,7 @@
         </p:spPr>
         <p:txBody>
           <a:bodyPr vert="horz" lIns="91440" tIns="45720" rIns="91440" bIns="45720" rtlCol="0">
-            <a:normAutofit/>
+            <a:normAutofit fontScale="92500"/>
           </a:bodyPr>
           <a:lstStyle>
             <a:lvl1pPr marL="228600" indent="-228600" algn="l" defTabSz="914400" rtl="0" eaLnBrk="1" latinLnBrk="0" hangingPunct="1">
@@ -4679,9 +4891,16 @@
             <a:br>
               <a:rPr lang="de-CH" dirty="0"/>
             </a:br>
+            <a:endParaRPr lang="de-CH" dirty="0"/>
+          </a:p>
+          <a:p>
+            <a:pPr marL="0" indent="0">
+              <a:buFont typeface="Arial" panose="020B0604020202020204" pitchFamily="34" charset="0"/>
+              <a:buNone/>
+            </a:pPr>
             <a:r>
               <a:rPr lang="de-CH" dirty="0"/>
-              <a:t>Cosinus Werte: 0.99 </a:t>
+              <a:t>Cosinus Werte der drei Regionen: 0.99 </a:t>
             </a:r>
             <a:r>
               <a:rPr lang="de-CH" dirty="0">
@@ -4788,6 +5007,7 @@
           <a:lstStyle/>
           <a:p>
             <a:pPr marL="0" indent="0">
+              <a:buFont typeface="Arial" panose="020B0604020202020204" pitchFamily="34" charset="0"/>
               <a:buNone/>
             </a:pPr>
             <a:r>
@@ -4797,9 +5017,16 @@
             <a:br>
               <a:rPr lang="de-CH" dirty="0"/>
             </a:br>
+            <a:endParaRPr lang="de-CH" dirty="0"/>
+          </a:p>
+          <a:p>
+            <a:pPr marL="0" indent="0">
+              <a:buFont typeface="Arial" panose="020B0604020202020204" pitchFamily="34" charset="0"/>
+              <a:buNone/>
+            </a:pPr>
             <a:r>
               <a:rPr lang="de-CH" dirty="0"/>
-              <a:t> Cosinus Werte: 0.99 </a:t>
+              <a:t>Cosinus Werte der drei Regionen: 0.99 </a:t>
             </a:r>
             <a:r>
               <a:rPr lang="de-CH" dirty="0">
@@ -4932,7 +5159,7 @@
         </p:spPr>
         <p:txBody>
           <a:bodyPr vert="horz" lIns="91440" tIns="45720" rIns="91440" bIns="45720" rtlCol="0">
-            <a:normAutofit/>
+            <a:normAutofit fontScale="92500"/>
           </a:bodyPr>
           <a:lstStyle>
             <a:lvl1pPr marL="228600" indent="-228600" algn="l" defTabSz="914400" rtl="0" eaLnBrk="1" latinLnBrk="0" hangingPunct="1">
@@ -5115,9 +5342,16 @@
             <a:br>
               <a:rPr lang="de-CH" dirty="0"/>
             </a:br>
+            <a:endParaRPr lang="de-CH" dirty="0"/>
+          </a:p>
+          <a:p>
+            <a:pPr marL="0" indent="0">
+              <a:buFont typeface="Arial" panose="020B0604020202020204" pitchFamily="34" charset="0"/>
+              <a:buNone/>
+            </a:pPr>
             <a:r>
               <a:rPr lang="de-CH" dirty="0"/>
-              <a:t> Cosinus Werte: 0.99 </a:t>
+              <a:t>Cosinus Werte der drei Regionen: 0.99 </a:t>
             </a:r>
             <a:r>
               <a:rPr lang="de-CH" dirty="0">
@@ -5132,6 +5366,36 @@
           </a:p>
         </p:txBody>
       </p:sp>
+      <p:pic>
+        <p:nvPicPr>
+          <p:cNvPr id="4" name="Grafik 3">
+            <a:extLst>
+              <a:ext uri="{FF2B5EF4-FFF2-40B4-BE49-F238E27FC236}">
+                <a16:creationId xmlns:a16="http://schemas.microsoft.com/office/drawing/2014/main" id="{2E400FF6-DA8F-F60C-4943-3BA0827F758B}"/>
+              </a:ext>
+            </a:extLst>
+          </p:cNvPr>
+          <p:cNvPicPr>
+            <a:picLocks noChangeAspect="1"/>
+          </p:cNvPicPr>
+          <p:nvPr/>
+        </p:nvPicPr>
+        <p:blipFill>
+          <a:blip r:embed="rId2"/>
+          <a:stretch>
+            <a:fillRect/>
+          </a:stretch>
+        </p:blipFill>
+        <p:spPr>
+          <a:xfrm>
+            <a:off x="4263205" y="1086056"/>
+            <a:ext cx="7688826" cy="5074916"/>
+          </a:xfrm>
+          <a:prstGeom prst="rect">
+            <a:avLst/>
+          </a:prstGeom>
+        </p:spPr>
+      </p:pic>
     </p:spTree>
     <p:extLst>
       <p:ext uri="{BB962C8B-B14F-4D97-AF65-F5344CB8AC3E}">
@@ -5551,7 +5815,7 @@
         </p:nvSpPr>
         <p:spPr>
           <a:xfrm>
-            <a:off x="771297" y="876300"/>
+            <a:off x="215485" y="220931"/>
             <a:ext cx="4267428" cy="1579222"/>
           </a:xfrm>
         </p:spPr>
@@ -5608,8 +5872,8 @@
         </p:blipFill>
         <p:spPr>
           <a:xfrm>
-            <a:off x="6854927" y="4519104"/>
-            <a:ext cx="5173654" cy="2160000"/>
+            <a:off x="6524684" y="4500076"/>
+            <a:ext cx="5489557" cy="2291889"/>
           </a:xfrm>
           <a:prstGeom prst="rect">
             <a:avLst/>
@@ -5684,12 +5948,15 @@
         </p:nvSpPr>
         <p:spPr>
           <a:xfrm>
-            <a:off x="952500" y="2717592"/>
-            <a:ext cx="5317664" cy="3303927"/>
+            <a:off x="273756" y="1800153"/>
+            <a:ext cx="5376537" cy="4654435"/>
           </a:xfrm>
           <a:prstGeom prst="rect">
             <a:avLst/>
           </a:prstGeom>
+          <a:solidFill>
+            <a:schemeClr val="bg1"/>
+          </a:solidFill>
         </p:spPr>
         <p:txBody>
           <a:bodyPr vert="horz" lIns="91440" tIns="45720" rIns="91440" bIns="45720" rtlCol="0" anchor="b">
@@ -6055,7 +6322,7 @@
             </a:r>
             <a:r>
               <a:rPr lang="en-US" dirty="0" err="1"/>
-              <a:t>Temporäre</a:t>
+              <a:t>temporäre</a:t>
             </a:r>
             <a:r>
               <a:rPr lang="en-US" dirty="0"/>
@@ -6093,6 +6360,20 @@
               <a:rPr lang="en-US" dirty="0"/>
               <a:t>.</a:t>
             </a:r>
+          </a:p>
+          <a:p>
+            <a:pPr marL="0" indent="0">
+              <a:buFont typeface="Arial" panose="020B0604020202020204" pitchFamily="34" charset="0"/>
+              <a:buNone/>
+            </a:pPr>
+            <a:endParaRPr lang="en-US" dirty="0"/>
+          </a:p>
+          <a:p>
+            <a:pPr marL="0" indent="0">
+              <a:buFont typeface="Arial" panose="020B0604020202020204" pitchFamily="34" charset="0"/>
+              <a:buNone/>
+            </a:pPr>
+            <a:endParaRPr lang="en-US" dirty="0"/>
           </a:p>
         </p:txBody>
       </p:sp>
@@ -6118,8 +6399,8 @@
         </p:blipFill>
         <p:spPr>
           <a:xfrm>
-            <a:off x="6760287" y="2304549"/>
-            <a:ext cx="5268294" cy="2160000"/>
+            <a:off x="6524684" y="2251174"/>
+            <a:ext cx="5487806" cy="2250000"/>
           </a:xfrm>
           <a:prstGeom prst="rect">
             <a:avLst/>
@@ -6148,8 +6429,8 @@
         </p:blipFill>
         <p:spPr>
           <a:xfrm>
-            <a:off x="6744128" y="89994"/>
-            <a:ext cx="5300613" cy="2160000"/>
+            <a:off x="6541709" y="55647"/>
+            <a:ext cx="5518777" cy="2248902"/>
           </a:xfrm>
           <a:prstGeom prst="rect">
             <a:avLst/>
@@ -6160,6 +6441,483 @@
     <p:extLst>
       <p:ext uri="{BB962C8B-B14F-4D97-AF65-F5344CB8AC3E}">
         <p14:creationId xmlns:p14="http://schemas.microsoft.com/office/powerpoint/2010/main" val="564269541"/>
+      </p:ext>
+    </p:extLst>
+  </p:cSld>
+  <p:clrMapOvr>
+    <a:masterClrMapping/>
+  </p:clrMapOvr>
+</p:sld>
+</file>
+
+<file path=ppt/slides/slide16.xml><?xml version="1.0" encoding="utf-8"?>
+<p:sld xmlns:a="http://schemas.openxmlformats.org/drawingml/2006/main" xmlns:r="http://schemas.openxmlformats.org/officeDocument/2006/relationships" xmlns:p="http://schemas.openxmlformats.org/presentationml/2006/main">
+  <p:cSld>
+    <p:bg>
+      <p:bgPr>
+        <a:solidFill>
+          <a:schemeClr val="bg2"/>
+        </a:solidFill>
+        <a:effectLst/>
+      </p:bgPr>
+    </p:bg>
+    <p:spTree>
+      <p:nvGrpSpPr>
+        <p:cNvPr id="1" name=""/>
+        <p:cNvGrpSpPr/>
+        <p:nvPr/>
+      </p:nvGrpSpPr>
+      <p:grpSpPr>
+        <a:xfrm>
+          <a:off x="0" y="0"/>
+          <a:ext cx="0" cy="0"/>
+          <a:chOff x="0" y="0"/>
+          <a:chExt cx="0" cy="0"/>
+        </a:xfrm>
+      </p:grpSpPr>
+      <p:cxnSp>
+        <p:nvCxnSpPr>
+          <p:cNvPr id="17" name="Straight Connector 16">
+            <a:extLst>
+              <a:ext uri="{FF2B5EF4-FFF2-40B4-BE49-F238E27FC236}">
+                <a16:creationId xmlns:a16="http://schemas.microsoft.com/office/drawing/2014/main" id="{EAD4CCDA-06BF-4D2A-B44F-195AEC0B5B22}"/>
+              </a:ext>
+              <a:ext uri="{C183D7F6-B498-43B3-948B-1728B52AA6E4}">
+                <adec:decorative xmlns:adec="http://schemas.microsoft.com/office/drawing/2017/decorative" val="1"/>
+              </a:ext>
+            </a:extLst>
+          </p:cNvPr>
+          <p:cNvCxnSpPr>
+            <a:cxnSpLocks noGrp="1" noRot="1" noChangeAspect="1" noMove="1" noResize="1" noEditPoints="1" noAdjustHandles="1" noChangeArrowheads="1" noChangeShapeType="1"/>
+          </p:cNvCxnSpPr>
+          <p:nvPr>
+            <p:extLst>
+              <p:ext uri="{386F3935-93C4-4BCD-93E2-E3B085C9AB24}">
+                <p16:designElem xmlns:p16="http://schemas.microsoft.com/office/powerpoint/2015/main" val="1"/>
+              </p:ext>
+            </p:extLst>
+          </p:nvPr>
+        </p:nvCxnSpPr>
+        <p:spPr>
+          <a:xfrm>
+            <a:off x="952498" y="6252722"/>
+            <a:ext cx="10325101" cy="0"/>
+          </a:xfrm>
+          <a:prstGeom prst="line">
+            <a:avLst/>
+          </a:prstGeom>
+          <a:ln w="10795">
+            <a:solidFill>
+              <a:schemeClr val="tx2"/>
+            </a:solidFill>
+          </a:ln>
+        </p:spPr>
+        <p:style>
+          <a:lnRef idx="1">
+            <a:schemeClr val="accent1"/>
+          </a:lnRef>
+          <a:fillRef idx="0">
+            <a:schemeClr val="accent1"/>
+          </a:fillRef>
+          <a:effectRef idx="0">
+            <a:schemeClr val="accent1"/>
+          </a:effectRef>
+          <a:fontRef idx="minor">
+            <a:schemeClr val="tx1"/>
+          </a:fontRef>
+        </p:style>
+      </p:cxnSp>
+      <p:sp>
+        <p:nvSpPr>
+          <p:cNvPr id="19" name="Rectangle 18">
+            <a:extLst>
+              <a:ext uri="{FF2B5EF4-FFF2-40B4-BE49-F238E27FC236}">
+                <a16:creationId xmlns:a16="http://schemas.microsoft.com/office/drawing/2014/main" id="{51C0BCA8-B9D5-4F84-B063-ABE683EE04E1}"/>
+              </a:ext>
+              <a:ext uri="{C183D7F6-B498-43B3-948B-1728B52AA6E4}">
+                <adec:decorative xmlns:adec="http://schemas.microsoft.com/office/drawing/2017/decorative" val="1"/>
+              </a:ext>
+            </a:extLst>
+          </p:cNvPr>
+          <p:cNvSpPr>
+            <a:spLocks noGrp="1" noRot="1" noChangeAspect="1" noMove="1" noResize="1" noEditPoints="1" noAdjustHandles="1" noChangeArrowheads="1" noChangeShapeType="1" noTextEdit="1"/>
+          </p:cNvSpPr>
+          <p:nvPr>
+            <p:extLst>
+              <p:ext uri="{386F3935-93C4-4BCD-93E2-E3B085C9AB24}">
+                <p16:designElem xmlns:p16="http://schemas.microsoft.com/office/powerpoint/2015/main" val="1"/>
+              </p:ext>
+            </p:extLst>
+          </p:nvPr>
+        </p:nvSpPr>
+        <p:spPr>
+          <a:xfrm>
+            <a:off x="0" y="0"/>
+            <a:ext cx="12192000" cy="6858000"/>
+          </a:xfrm>
+          <a:prstGeom prst="rect">
+            <a:avLst/>
+          </a:prstGeom>
+          <a:solidFill>
+            <a:srgbClr val="000000"/>
+          </a:solidFill>
+          <a:ln w="12700" cap="flat" cmpd="sng" algn="ctr">
+            <a:noFill/>
+            <a:prstDash val="solid"/>
+            <a:miter lim="800000"/>
+          </a:ln>
+          <a:effectLst/>
+        </p:spPr>
+        <p:style>
+          <a:lnRef idx="2">
+            <a:schemeClr val="accent1">
+              <a:shade val="50000"/>
+            </a:schemeClr>
+          </a:lnRef>
+          <a:fillRef idx="1">
+            <a:schemeClr val="accent1"/>
+          </a:fillRef>
+          <a:effectRef idx="0">
+            <a:schemeClr val="accent1"/>
+          </a:effectRef>
+          <a:fontRef idx="minor">
+            <a:schemeClr val="lt1"/>
+          </a:fontRef>
+        </p:style>
+        <p:txBody>
+          <a:bodyPr rtlCol="0" anchor="ctr"/>
+          <a:lstStyle/>
+          <a:p>
+            <a:pPr algn="ctr"/>
+            <a:endParaRPr lang="en-US"/>
+          </a:p>
+        </p:txBody>
+      </p:sp>
+      <p:pic>
+        <p:nvPicPr>
+          <p:cNvPr id="12" name="Picture 11" descr="Lupe, die sinkende Leistung zeigt">
+            <a:extLst>
+              <a:ext uri="{FF2B5EF4-FFF2-40B4-BE49-F238E27FC236}">
+                <a16:creationId xmlns:a16="http://schemas.microsoft.com/office/drawing/2014/main" id="{44F709A0-173B-1FC2-5BF4-C6A6D0204508}"/>
+              </a:ext>
+            </a:extLst>
+          </p:cNvPr>
+          <p:cNvPicPr>
+            <a:picLocks noChangeAspect="1"/>
+          </p:cNvPicPr>
+          <p:nvPr/>
+        </p:nvPicPr>
+        <p:blipFill rotWithShape="1">
+          <a:blip r:embed="rId2"/>
+          <a:srcRect t="7864" b="7866"/>
+          <a:stretch/>
+        </p:blipFill>
+        <p:spPr>
+          <a:xfrm>
+            <a:off x="20" y="10"/>
+            <a:ext cx="12191979" cy="6857989"/>
+          </a:xfrm>
+          <a:prstGeom prst="rect">
+            <a:avLst/>
+          </a:prstGeom>
+        </p:spPr>
+      </p:pic>
+      <p:sp>
+        <p:nvSpPr>
+          <p:cNvPr id="21" name="Rectangle 20">
+            <a:extLst>
+              <a:ext uri="{FF2B5EF4-FFF2-40B4-BE49-F238E27FC236}">
+                <a16:creationId xmlns:a16="http://schemas.microsoft.com/office/drawing/2014/main" id="{3E12DCC6-BC83-4B12-995C-FEA02449A7B5}"/>
+              </a:ext>
+              <a:ext uri="{C183D7F6-B498-43B3-948B-1728B52AA6E4}">
+                <adec:decorative xmlns:adec="http://schemas.microsoft.com/office/drawing/2017/decorative" val="1"/>
+              </a:ext>
+            </a:extLst>
+          </p:cNvPr>
+          <p:cNvSpPr>
+            <a:spLocks noGrp="1" noRot="1" noChangeAspect="1" noMove="1" noResize="1" noEditPoints="1" noAdjustHandles="1" noChangeArrowheads="1" noChangeShapeType="1" noTextEdit="1"/>
+          </p:cNvSpPr>
+          <p:nvPr>
+            <p:extLst>
+              <p:ext uri="{386F3935-93C4-4BCD-93E2-E3B085C9AB24}">
+                <p16:designElem xmlns:p16="http://schemas.microsoft.com/office/powerpoint/2015/main" val="1"/>
+              </p:ext>
+            </p:extLst>
+          </p:nvPr>
+        </p:nvSpPr>
+        <p:spPr>
+          <a:xfrm rot="16200000" flipV="1">
+            <a:off x="-144929" y="144931"/>
+            <a:ext cx="6858000" cy="6568140"/>
+          </a:xfrm>
+          <a:prstGeom prst="rect">
+            <a:avLst/>
+          </a:prstGeom>
+          <a:gradFill flip="none" rotWithShape="1">
+            <a:gsLst>
+              <a:gs pos="0">
+                <a:srgbClr val="000000">
+                  <a:alpha val="0"/>
+                </a:srgbClr>
+              </a:gs>
+              <a:gs pos="49000">
+                <a:srgbClr val="000000">
+                  <a:alpha val="45000"/>
+                </a:srgbClr>
+              </a:gs>
+              <a:gs pos="100000">
+                <a:srgbClr val="000000">
+                  <a:alpha val="64000"/>
+                </a:srgbClr>
+              </a:gs>
+            </a:gsLst>
+            <a:lin ang="5400000" scaled="1"/>
+            <a:tileRect/>
+          </a:gradFill>
+          <a:ln>
+            <a:noFill/>
+          </a:ln>
+        </p:spPr>
+        <p:style>
+          <a:lnRef idx="2">
+            <a:schemeClr val="accent1">
+              <a:shade val="50000"/>
+            </a:schemeClr>
+          </a:lnRef>
+          <a:fillRef idx="1">
+            <a:schemeClr val="accent1"/>
+          </a:fillRef>
+          <a:effectRef idx="0">
+            <a:schemeClr val="accent1"/>
+          </a:effectRef>
+          <a:fontRef idx="minor">
+            <a:schemeClr val="lt1"/>
+          </a:fontRef>
+        </p:style>
+        <p:txBody>
+          <a:bodyPr rtlCol="0" anchor="ctr"/>
+          <a:lstStyle/>
+          <a:p>
+            <a:pPr algn="ctr"/>
+            <a:endParaRPr lang="en-US"/>
+          </a:p>
+        </p:txBody>
+      </p:sp>
+      <p:sp>
+        <p:nvSpPr>
+          <p:cNvPr id="2" name="Titel 1">
+            <a:extLst>
+              <a:ext uri="{FF2B5EF4-FFF2-40B4-BE49-F238E27FC236}">
+                <a16:creationId xmlns:a16="http://schemas.microsoft.com/office/drawing/2014/main" id="{BBEE3065-FD4A-E20E-AE4E-9E8EA0E51793}"/>
+              </a:ext>
+            </a:extLst>
+          </p:cNvPr>
+          <p:cNvSpPr>
+            <a:spLocks noGrp="1"/>
+          </p:cNvSpPr>
+          <p:nvPr>
+            <p:ph type="title"/>
+          </p:nvPr>
+        </p:nvSpPr>
+        <p:spPr>
+          <a:xfrm>
+            <a:off x="858747" y="851652"/>
+            <a:ext cx="5371719" cy="2224032"/>
+          </a:xfrm>
+        </p:spPr>
+        <p:txBody>
+          <a:bodyPr vert="horz" lIns="91440" tIns="45720" rIns="91440" bIns="45720" rtlCol="0" anchor="b">
+            <a:normAutofit/>
+          </a:bodyPr>
+          <a:lstStyle/>
+          <a:p>
+            <a:r>
+              <a:rPr lang="en-US" sz="6600" dirty="0" err="1">
+                <a:solidFill>
+                  <a:srgbClr val="FFFFFF"/>
+                </a:solidFill>
+              </a:rPr>
+              <a:t>Vielen</a:t>
+            </a:r>
+            <a:r>
+              <a:rPr lang="en-US" sz="6600" dirty="0">
+                <a:solidFill>
+                  <a:srgbClr val="FFFFFF"/>
+                </a:solidFill>
+              </a:rPr>
+              <a:t> Dank </a:t>
+            </a:r>
+          </a:p>
+        </p:txBody>
+      </p:sp>
+      <p:cxnSp>
+        <p:nvCxnSpPr>
+          <p:cNvPr id="23" name="Straight Connector 22">
+            <a:extLst>
+              <a:ext uri="{FF2B5EF4-FFF2-40B4-BE49-F238E27FC236}">
+                <a16:creationId xmlns:a16="http://schemas.microsoft.com/office/drawing/2014/main" id="{7476E355-DC49-4AFB-88DE-62B854B9B315}"/>
+              </a:ext>
+              <a:ext uri="{C183D7F6-B498-43B3-948B-1728B52AA6E4}">
+                <adec:decorative xmlns:adec="http://schemas.microsoft.com/office/drawing/2017/decorative" val="1"/>
+              </a:ext>
+            </a:extLst>
+          </p:cNvPr>
+          <p:cNvCxnSpPr>
+            <a:cxnSpLocks noGrp="1" noRot="1" noChangeAspect="1" noMove="1" noResize="1" noEditPoints="1" noAdjustHandles="1" noChangeArrowheads="1" noChangeShapeType="1"/>
+          </p:cNvCxnSpPr>
+          <p:nvPr>
+            <p:extLst>
+              <p:ext uri="{386F3935-93C4-4BCD-93E2-E3B085C9AB24}">
+                <p16:designElem xmlns:p16="http://schemas.microsoft.com/office/powerpoint/2015/main" val="1"/>
+              </p:ext>
+            </p:extLst>
+          </p:nvPr>
+        </p:nvCxnSpPr>
+        <p:spPr>
+          <a:xfrm>
+            <a:off x="958134" y="3782313"/>
+            <a:ext cx="0" cy="2054457"/>
+          </a:xfrm>
+          <a:prstGeom prst="line">
+            <a:avLst/>
+          </a:prstGeom>
+          <a:ln w="10795">
+            <a:solidFill>
+              <a:srgbClr val="FFFFFF"/>
+            </a:solidFill>
+          </a:ln>
+        </p:spPr>
+        <p:style>
+          <a:lnRef idx="1">
+            <a:schemeClr val="accent1"/>
+          </a:lnRef>
+          <a:fillRef idx="0">
+            <a:schemeClr val="accent1"/>
+          </a:fillRef>
+          <a:effectRef idx="0">
+            <a:schemeClr val="accent1"/>
+          </a:effectRef>
+          <a:fontRef idx="minor">
+            <a:schemeClr val="tx1"/>
+          </a:fontRef>
+        </p:style>
+      </p:cxnSp>
+      <p:sp>
+        <p:nvSpPr>
+          <p:cNvPr id="6" name="Inhaltsplatzhalter 2">
+            <a:extLst>
+              <a:ext uri="{FF2B5EF4-FFF2-40B4-BE49-F238E27FC236}">
+                <a16:creationId xmlns:a16="http://schemas.microsoft.com/office/drawing/2014/main" id="{DC6AB9CD-C27F-E5FB-A668-0F21B991B8FB}"/>
+              </a:ext>
+            </a:extLst>
+          </p:cNvPr>
+          <p:cNvSpPr>
+            <a:spLocks noGrp="1"/>
+          </p:cNvSpPr>
+          <p:nvPr>
+            <p:ph idx="1"/>
+          </p:nvPr>
+        </p:nvSpPr>
+        <p:spPr>
+          <a:xfrm>
+            <a:off x="1111697" y="3782312"/>
+            <a:ext cx="3396275" cy="2161283"/>
+          </a:xfrm>
+        </p:spPr>
+        <p:txBody>
+          <a:bodyPr anchor="t">
+            <a:normAutofit fontScale="85000" lnSpcReduction="10000"/>
+          </a:bodyPr>
+          <a:lstStyle/>
+          <a:p>
+            <a:pPr marL="0" indent="0">
+              <a:lnSpc>
+                <a:spcPct val="110000"/>
+              </a:lnSpc>
+              <a:buNone/>
+            </a:pPr>
+            <a:r>
+              <a:rPr lang="de-DE" sz="2000" dirty="0">
+                <a:solidFill>
+                  <a:schemeClr val="bg1"/>
+                </a:solidFill>
+              </a:rPr>
+              <a:t>Staatsfinanzen im Vergleich</a:t>
+            </a:r>
+            <a:br>
+              <a:rPr lang="de-DE" sz="2000" dirty="0">
+                <a:solidFill>
+                  <a:schemeClr val="bg1"/>
+                </a:solidFill>
+              </a:rPr>
+            </a:br>
+            <a:r>
+              <a:rPr lang="de-DE" sz="2000" dirty="0">
+                <a:solidFill>
+                  <a:schemeClr val="bg1"/>
+                </a:solidFill>
+              </a:rPr>
+              <a:t>Ein Einblick in die Einnahmen &amp;  Ausgaben, Verschuldung, Arbeitslosigkeit und Bruttoinlandprodukt</a:t>
+            </a:r>
+          </a:p>
+          <a:p>
+            <a:pPr marL="0" indent="0">
+              <a:lnSpc>
+                <a:spcPct val="110000"/>
+              </a:lnSpc>
+              <a:buNone/>
+            </a:pPr>
+            <a:endParaRPr lang="de-DE" dirty="0">
+              <a:solidFill>
+                <a:schemeClr val="bg1"/>
+              </a:solidFill>
+            </a:endParaRPr>
+          </a:p>
+          <a:p>
+            <a:pPr marL="0" indent="0">
+              <a:lnSpc>
+                <a:spcPct val="110000"/>
+              </a:lnSpc>
+              <a:buNone/>
+            </a:pPr>
+            <a:r>
+              <a:rPr lang="de-DE" sz="2000" dirty="0">
+                <a:solidFill>
+                  <a:schemeClr val="bg1"/>
+                </a:solidFill>
+              </a:rPr>
+              <a:t>Cifci Özlem &amp; Fischer Lukas</a:t>
+            </a:r>
+          </a:p>
+          <a:p>
+            <a:pPr marL="0" indent="0">
+              <a:lnSpc>
+                <a:spcPct val="110000"/>
+              </a:lnSpc>
+              <a:buNone/>
+            </a:pPr>
+            <a:endParaRPr lang="de-CH" sz="2000" dirty="0">
+              <a:solidFill>
+                <a:schemeClr val="bg1"/>
+              </a:solidFill>
+            </a:endParaRPr>
+          </a:p>
+          <a:p>
+            <a:pPr marL="0" indent="0">
+              <a:buNone/>
+            </a:pPr>
+            <a:endParaRPr lang="de-DE" i="0" dirty="0">
+              <a:solidFill>
+                <a:schemeClr val="bg1"/>
+              </a:solidFill>
+            </a:endParaRPr>
+          </a:p>
+        </p:txBody>
+      </p:sp>
+    </p:spTree>
+    <p:extLst>
+      <p:ext uri="{BB962C8B-B14F-4D97-AF65-F5344CB8AC3E}">
+        <p14:creationId xmlns:p14="http://schemas.microsoft.com/office/powerpoint/2010/main" val="7012537"/>
       </p:ext>
     </p:extLst>
   </p:cSld>
@@ -6268,8 +7026,8 @@
         </p:nvSpPr>
         <p:spPr>
           <a:xfrm>
-            <a:off x="4837913" y="1967580"/>
-            <a:ext cx="6592087" cy="3494854"/>
+            <a:off x="4837913" y="1638299"/>
+            <a:ext cx="6592087" cy="4257675"/>
           </a:xfrm>
         </p:spPr>
         <p:txBody>
@@ -6282,7 +7040,7 @@
               <a:buNone/>
             </a:pPr>
             <a:r>
-              <a:rPr lang="de-DE" sz="2400" dirty="0"/>
+              <a:rPr lang="de-DE" sz="1800" dirty="0"/>
               <a:t>Wie sehen die Strukturen folgender Kennzahlen in der Schweiz, der EU und den USA aus?</a:t>
             </a:r>
           </a:p>
@@ -6292,7 +7050,7 @@
               <a:buChar char="•"/>
             </a:pPr>
             <a:r>
-              <a:rPr lang="de-DE" sz="2000" i="0" dirty="0"/>
+              <a:rPr lang="de-DE" i="0" dirty="0"/>
               <a:t>Staatseinnahmen &amp; Staatsausgaben</a:t>
             </a:r>
           </a:p>
@@ -6302,7 +7060,7 @@
               <a:buChar char="•"/>
             </a:pPr>
             <a:r>
-              <a:rPr lang="de-DE" sz="2000" i="0" dirty="0"/>
+              <a:rPr lang="de-DE" i="0" dirty="0"/>
               <a:t>Staatsverschuldung</a:t>
             </a:r>
           </a:p>
@@ -6312,7 +7070,7 @@
               <a:buChar char="•"/>
             </a:pPr>
             <a:r>
-              <a:rPr lang="de-DE" sz="2000" i="0" dirty="0"/>
+              <a:rPr lang="de-DE" i="0" dirty="0"/>
               <a:t>Arbeitslosigkeit</a:t>
             </a:r>
           </a:p>
@@ -6322,7 +7080,7 @@
               <a:buChar char="•"/>
             </a:pPr>
             <a:r>
-              <a:rPr lang="de-DE" sz="2000" i="0" dirty="0"/>
+              <a:rPr lang="de-DE" i="0" dirty="0"/>
               <a:t>Bruttoinlandprodukt</a:t>
             </a:r>
           </a:p>
@@ -6710,7 +7468,7 @@
         <p:spPr>
           <a:xfrm>
             <a:off x="8610600" y="1309498"/>
-            <a:ext cx="3324500" cy="4962525"/>
+            <a:ext cx="3324500" cy="3557777"/>
           </a:xfrm>
         </p:spPr>
         <p:txBody>
@@ -6726,9 +7484,12 @@
               <a:rPr lang="de-CH" dirty="0"/>
               <a:t>Cosinus-Werte zwischen 0.91 und 0.99 </a:t>
             </a:r>
-            <a:br>
-              <a:rPr lang="de-CH" dirty="0"/>
-            </a:br>
+            <a:r>
+              <a:rPr lang="de-CH" dirty="0">
+                <a:sym typeface="Wingdings" panose="05000000000000000000" pitchFamily="2" charset="2"/>
+              </a:rPr>
+              <a:t> </a:t>
+            </a:r>
             <a:r>
               <a:rPr lang="de-CH" dirty="0"/>
               <a:t>Grosse Ähnlichkeit über alle Ebenen hinweg.</a:t>
@@ -6860,8 +7621,8 @@
         </p:blipFill>
         <p:spPr>
           <a:xfrm>
-            <a:off x="6269111" y="910371"/>
-            <a:ext cx="5616427" cy="5037257"/>
+            <a:off x="5429250" y="381780"/>
+            <a:ext cx="6446763" cy="5781968"/>
           </a:xfrm>
           <a:prstGeom prst="rect">
             <a:avLst/>
@@ -6886,8 +7647,8 @@
         </p:nvSpPr>
         <p:spPr>
           <a:xfrm>
-            <a:off x="752474" y="1490474"/>
-            <a:ext cx="5170415" cy="3138676"/>
+            <a:off x="192532" y="1490474"/>
+            <a:ext cx="4912869" cy="3138676"/>
           </a:xfrm>
         </p:spPr>
         <p:txBody>
@@ -6910,7 +7671,7 @@
             </a:pPr>
             <a:r>
               <a:rPr lang="de-CH" dirty="0"/>
-              <a:t>Die Wirtschaftsstarken EU Länder Frankreich und Deutschland sowie auch Italien und Spanien weisen die grösste Diskrepanz zwischen Einnahmen &amp; Ausgaben.</a:t>
+              <a:t>Die Wirtschaftsstarken EU Länder Frankreich und Deutschland sowie auch Italien und Spanien weisen die grösste Diskrepanz zwischen Einnahmen &amp; Ausgaben auf.</a:t>
             </a:r>
           </a:p>
         </p:txBody>
@@ -7023,8 +7784,8 @@
         </p:nvSpPr>
         <p:spPr>
           <a:xfrm>
-            <a:off x="390525" y="2004823"/>
-            <a:ext cx="3581305" cy="3900469"/>
+            <a:off x="390526" y="1595888"/>
+            <a:ext cx="3362230" cy="3496066"/>
           </a:xfrm>
           <a:prstGeom prst="rect">
             <a:avLst/>
